--- a/presentation.pptx
+++ b/presentation.pptx
@@ -3601,13 +3601,18 @@
         </p:nvSpPr>
         <p:spPr>
           <a:xfrm>
-            <a:off x="421543" y="1245198"/>
-            <a:ext cx="5252928" cy="1754326"/>
+            <a:off x="421543" y="676096"/>
+            <a:ext cx="5252928" cy="1938992"/>
           </a:xfrm>
           <a:prstGeom prst="rect">
             <a:avLst/>
           </a:prstGeom>
-          <a:noFill/>
+          <a:solidFill>
+            <a:schemeClr val="tx1">
+              <a:lumMod val="95000"/>
+              <a:alpha val="53000"/>
+            </a:schemeClr>
+          </a:solidFill>
         </p:spPr>
         <p:txBody>
           <a:bodyPr wrap="square" rtlCol="0">
@@ -3617,7 +3622,7 @@
           <a:p>
             <a:pPr lvl="0" algn="just"/>
             <a:r>
-              <a:rPr lang="fr-FR" dirty="0">
+              <a:rPr lang="fr-FR" sz="2000" dirty="0">
                 <a:solidFill>
                   <a:schemeClr val="accent1">
                     <a:lumMod val="50000"/>
@@ -3630,7 +3635,7 @@
           <a:p>
             <a:pPr lvl="0" algn="just"/>
             <a:r>
-              <a:rPr lang="fr-FR" dirty="0">
+              <a:rPr lang="fr-FR" sz="2000" dirty="0">
                 <a:solidFill>
                   <a:schemeClr val="accent1">
                     <a:lumMod val="50000"/>
@@ -3639,7 +3644,7 @@
               </a:rPr>
               <a:t>Objectif : rester en vie le plus longtemps possible tout en augmentant son score</a:t>
             </a:r>
-            <a:endParaRPr lang="en-US" dirty="0">
+            <a:endParaRPr lang="en-US" sz="2000" dirty="0">
               <a:solidFill>
                 <a:schemeClr val="accent1">
                   <a:lumMod val="50000"/>
@@ -3978,7 +3983,11 @@
           <a:prstGeom prst="rect">
             <a:avLst/>
           </a:prstGeom>
-          <a:noFill/>
+          <a:solidFill>
+            <a:schemeClr val="bg1">
+              <a:alpha val="36000"/>
+            </a:schemeClr>
+          </a:solidFill>
         </p:spPr>
         <p:txBody>
           <a:bodyPr wrap="square" rtlCol="0">
@@ -4168,12 +4177,16 @@
         <p:spPr>
           <a:xfrm>
             <a:off x="2266334" y="1818968"/>
-            <a:ext cx="7659329" cy="830997"/>
+            <a:ext cx="7659329" cy="1200329"/>
           </a:xfrm>
           <a:prstGeom prst="rect">
             <a:avLst/>
           </a:prstGeom>
-          <a:noFill/>
+          <a:solidFill>
+            <a:schemeClr val="bg1">
+              <a:alpha val="36000"/>
+            </a:schemeClr>
+          </a:solidFill>
         </p:spPr>
         <p:txBody>
           <a:bodyPr wrap="square" rtlCol="0">
@@ -4193,7 +4206,23 @@
                   </a:schemeClr>
                 </a:solidFill>
               </a:rPr>
-              <a:t>Aléatoire</a:t>
+              <a:t>Aléatoire (forme et position)</a:t>
+            </a:r>
+          </a:p>
+          <a:p>
+            <a:pPr marL="285750" indent="-285750" algn="just">
+              <a:buFont typeface="Wingdings" panose="05000000000000000000" pitchFamily="2" charset="2"/>
+              <a:buChar char="Ø"/>
+            </a:pPr>
+            <a:r>
+              <a:rPr lang="fr-FR" sz="2400" dirty="0">
+                <a:solidFill>
+                  <a:schemeClr val="accent1">
+                    <a:lumMod val="50000"/>
+                  </a:schemeClr>
+                </a:solidFill>
+              </a:rPr>
+              <a:t>Déplacement automatique et simultané</a:t>
             </a:r>
           </a:p>
           <a:p>
@@ -4368,7 +4397,11 @@
           <a:prstGeom prst="rect">
             <a:avLst/>
           </a:prstGeom>
-          <a:noFill/>
+          <a:solidFill>
+            <a:schemeClr val="bg1">
+              <a:alpha val="36000"/>
+            </a:schemeClr>
+          </a:solidFill>
         </p:spPr>
         <p:txBody>
           <a:bodyPr wrap="square" rtlCol="0">
@@ -4550,7 +4583,11 @@
           <a:prstGeom prst="rect">
             <a:avLst/>
           </a:prstGeom>
-          <a:noFill/>
+          <a:solidFill>
+            <a:schemeClr val="bg1">
+              <a:alpha val="36000"/>
+            </a:schemeClr>
+          </a:solidFill>
         </p:spPr>
         <p:txBody>
           <a:bodyPr wrap="square" rtlCol="0">

--- a/presentation.pptx
+++ b/presentation.pptx
@@ -7,10 +7,11 @@
   <p:sldIdLst>
     <p:sldId id="256" r:id="rId2"/>
     <p:sldId id="257" r:id="rId3"/>
-    <p:sldId id="258" r:id="rId4"/>
-    <p:sldId id="260" r:id="rId5"/>
-    <p:sldId id="261" r:id="rId6"/>
-    <p:sldId id="259" r:id="rId7"/>
+    <p:sldId id="263" r:id="rId4"/>
+    <p:sldId id="258" r:id="rId5"/>
+    <p:sldId id="260" r:id="rId6"/>
+    <p:sldId id="261" r:id="rId7"/>
+    <p:sldId id="259" r:id="rId8"/>
   </p:sldIdLst>
   <p:sldSz cx="12192000" cy="6858000"/>
   <p:notesSz cx="6858000" cy="9144000"/>
@@ -3968,7 +3969,7 @@
           <p:cNvPr id="4" name="ZoneTexte 3">
             <a:extLst>
               <a:ext uri="{FF2B5EF4-FFF2-40B4-BE49-F238E27FC236}">
-                <a16:creationId xmlns:a16="http://schemas.microsoft.com/office/drawing/2014/main" id="{02FC5E3F-7FD0-4FA3-B45B-9197954FC7CF}"/>
+                <a16:creationId xmlns:a16="http://schemas.microsoft.com/office/drawing/2014/main" id="{08704358-68D8-4B75-B411-C13D9398962B}"/>
               </a:ext>
             </a:extLst>
           </p:cNvPr>
@@ -3977,8 +3978,8 @@
         </p:nvSpPr>
         <p:spPr>
           <a:xfrm>
-            <a:off x="2266334" y="1818968"/>
-            <a:ext cx="7659329" cy="1200329"/>
+            <a:off x="2602501" y="1818968"/>
+            <a:ext cx="6986996" cy="1200329"/>
           </a:xfrm>
           <a:prstGeom prst="rect">
             <a:avLst/>
@@ -4007,7 +4008,7 @@
                   </a:schemeClr>
                 </a:solidFill>
               </a:rPr>
-              <a:t>Texture pour les images</a:t>
+              <a:t>Utilisation de la librairie SDL</a:t>
             </a:r>
           </a:p>
           <a:p>
@@ -4023,7 +4024,23 @@
                   </a:schemeClr>
                 </a:solidFill>
               </a:rPr>
-              <a:t>Mouvement du joueur (sauter/se baisser) visualisé avec des sprites</a:t>
+              <a:t>Gestion des événements clavier</a:t>
+            </a:r>
+          </a:p>
+          <a:p>
+            <a:pPr marL="285750" indent="-285750" algn="just">
+              <a:buFont typeface="Wingdings" panose="05000000000000000000" pitchFamily="2" charset="2"/>
+              <a:buChar char="Ø"/>
+            </a:pPr>
+            <a:r>
+              <a:rPr lang="fr-FR" sz="2400" dirty="0">
+                <a:solidFill>
+                  <a:schemeClr val="accent1">
+                    <a:lumMod val="50000"/>
+                  </a:schemeClr>
+                </a:solidFill>
+              </a:rPr>
+              <a:t>Texture pour les images</a:t>
             </a:r>
           </a:p>
         </p:txBody>
@@ -4031,7 +4048,7 @@
     </p:spTree>
     <p:extLst>
       <p:ext uri="{BB962C8B-B14F-4D97-AF65-F5344CB8AC3E}">
-        <p14:creationId xmlns:p14="http://schemas.microsoft.com/office/powerpoint/2010/main" val="2845711899"/>
+        <p14:creationId xmlns:p14="http://schemas.microsoft.com/office/powerpoint/2010/main" val="356690088"/>
       </p:ext>
     </p:extLst>
   </p:cSld>
@@ -4134,19 +4151,6 @@
               </a:spcAft>
             </a:pPr>
             <a:r>
-              <a:rPr lang="fr-FR" sz="4800" dirty="0">
-                <a:solidFill>
-                  <a:schemeClr val="accent1">
-                    <a:lumMod val="75000"/>
-                  </a:schemeClr>
-                </a:solidFill>
-                <a:latin typeface="Emmett" pitchFamily="2" charset="0"/>
-                <a:ea typeface="+mj-ea"/>
-                <a:cs typeface="+mj-cs"/>
-              </a:rPr>
-              <a:t>Génération des o</a:t>
-            </a:r>
-            <a:r>
               <a:rPr lang="fr-FR" sz="4800" kern="1200" dirty="0">
                 <a:solidFill>
                   <a:schemeClr val="accent1">
@@ -4157,7 +4161,7 @@
                 <a:ea typeface="+mj-ea"/>
                 <a:cs typeface="+mj-cs"/>
               </a:rPr>
-              <a:t>bstacles</a:t>
+              <a:t>Joueur</a:t>
             </a:r>
           </a:p>
         </p:txBody>
@@ -4167,7 +4171,7 @@
           <p:cNvPr id="4" name="ZoneTexte 3">
             <a:extLst>
               <a:ext uri="{FF2B5EF4-FFF2-40B4-BE49-F238E27FC236}">
-                <a16:creationId xmlns:a16="http://schemas.microsoft.com/office/drawing/2014/main" id="{4228513F-376A-4CBE-8D34-DC3CAD14F8EC}"/>
+                <a16:creationId xmlns:a16="http://schemas.microsoft.com/office/drawing/2014/main" id="{02FC5E3F-7FD0-4FA3-B45B-9197954FC7CF}"/>
               </a:ext>
             </a:extLst>
           </p:cNvPr>
@@ -4177,7 +4181,7 @@
         <p:spPr>
           <a:xfrm>
             <a:off x="2266334" y="1818968"/>
-            <a:ext cx="7659329" cy="1200329"/>
+            <a:ext cx="7659329" cy="1569660"/>
           </a:xfrm>
           <a:prstGeom prst="rect">
             <a:avLst/>
@@ -4206,7 +4210,7 @@
                   </a:schemeClr>
                 </a:solidFill>
               </a:rPr>
-              <a:t>Aléatoire (forme et position)</a:t>
+              <a:t>Mouvement du joueur (sauter/se baisser) visualisé avec des sprites</a:t>
             </a:r>
           </a:p>
           <a:p>
@@ -4222,7 +4226,7 @@
                   </a:schemeClr>
                 </a:solidFill>
               </a:rPr>
-              <a:t>Déplacement automatique et simultané</a:t>
+              <a:t>Saut réaliste (prise en compte de la gravité)</a:t>
             </a:r>
           </a:p>
           <a:p>
@@ -4238,7 +4242,7 @@
                   </a:schemeClr>
                 </a:solidFill>
               </a:rPr>
-              <a:t>Détection de la collision</a:t>
+              <a:t>Différentes actions selon l’objet attrapé</a:t>
             </a:r>
           </a:p>
         </p:txBody>
@@ -4246,7 +4250,7 @@
     </p:spTree>
     <p:extLst>
       <p:ext uri="{BB962C8B-B14F-4D97-AF65-F5344CB8AC3E}">
-        <p14:creationId xmlns:p14="http://schemas.microsoft.com/office/powerpoint/2010/main" val="1551138336"/>
+        <p14:creationId xmlns:p14="http://schemas.microsoft.com/office/powerpoint/2010/main" val="2845711899"/>
       </p:ext>
     </p:extLst>
   </p:cSld>
@@ -4372,6 +4376,221 @@
                 <a:ea typeface="+mj-ea"/>
                 <a:cs typeface="+mj-cs"/>
               </a:rPr>
+              <a:t>bstacles</a:t>
+            </a:r>
+          </a:p>
+        </p:txBody>
+      </p:sp>
+      <p:sp>
+        <p:nvSpPr>
+          <p:cNvPr id="4" name="ZoneTexte 3">
+            <a:extLst>
+              <a:ext uri="{FF2B5EF4-FFF2-40B4-BE49-F238E27FC236}">
+                <a16:creationId xmlns:a16="http://schemas.microsoft.com/office/drawing/2014/main" id="{4228513F-376A-4CBE-8D34-DC3CAD14F8EC}"/>
+              </a:ext>
+            </a:extLst>
+          </p:cNvPr>
+          <p:cNvSpPr txBox="1"/>
+          <p:nvPr/>
+        </p:nvSpPr>
+        <p:spPr>
+          <a:xfrm>
+            <a:off x="2266334" y="1818968"/>
+            <a:ext cx="7659329" cy="1200329"/>
+          </a:xfrm>
+          <a:prstGeom prst="rect">
+            <a:avLst/>
+          </a:prstGeom>
+          <a:solidFill>
+            <a:schemeClr val="bg1">
+              <a:alpha val="36000"/>
+            </a:schemeClr>
+          </a:solidFill>
+        </p:spPr>
+        <p:txBody>
+          <a:bodyPr wrap="square" rtlCol="0">
+            <a:spAutoFit/>
+          </a:bodyPr>
+          <a:lstStyle/>
+          <a:p>
+            <a:pPr marL="285750" indent="-285750" algn="just">
+              <a:buFont typeface="Wingdings" panose="05000000000000000000" pitchFamily="2" charset="2"/>
+              <a:buChar char="Ø"/>
+            </a:pPr>
+            <a:r>
+              <a:rPr lang="fr-FR" sz="2400" dirty="0">
+                <a:solidFill>
+                  <a:schemeClr val="accent1">
+                    <a:lumMod val="50000"/>
+                  </a:schemeClr>
+                </a:solidFill>
+              </a:rPr>
+              <a:t>Aléatoire (forme et position)</a:t>
+            </a:r>
+          </a:p>
+          <a:p>
+            <a:pPr marL="285750" indent="-285750" algn="just">
+              <a:buFont typeface="Wingdings" panose="05000000000000000000" pitchFamily="2" charset="2"/>
+              <a:buChar char="Ø"/>
+            </a:pPr>
+            <a:r>
+              <a:rPr lang="fr-FR" sz="2400" dirty="0">
+                <a:solidFill>
+                  <a:schemeClr val="accent1">
+                    <a:lumMod val="50000"/>
+                  </a:schemeClr>
+                </a:solidFill>
+              </a:rPr>
+              <a:t>Déplacement automatique et simultané</a:t>
+            </a:r>
+          </a:p>
+          <a:p>
+            <a:pPr marL="285750" indent="-285750" algn="just">
+              <a:buFont typeface="Wingdings" panose="05000000000000000000" pitchFamily="2" charset="2"/>
+              <a:buChar char="Ø"/>
+            </a:pPr>
+            <a:r>
+              <a:rPr lang="fr-FR" sz="2400" dirty="0">
+                <a:solidFill>
+                  <a:schemeClr val="accent1">
+                    <a:lumMod val="50000"/>
+                  </a:schemeClr>
+                </a:solidFill>
+              </a:rPr>
+              <a:t>Détection de la collision</a:t>
+            </a:r>
+          </a:p>
+        </p:txBody>
+      </p:sp>
+    </p:spTree>
+    <p:extLst>
+      <p:ext uri="{BB962C8B-B14F-4D97-AF65-F5344CB8AC3E}">
+        <p14:creationId xmlns:p14="http://schemas.microsoft.com/office/powerpoint/2010/main" val="1551138336"/>
+      </p:ext>
+    </p:extLst>
+  </p:cSld>
+  <p:clrMapOvr>
+    <a:masterClrMapping/>
+  </p:clrMapOvr>
+</p:sld>
+</file>
+
+<file path=ppt/slides/slide6.xml><?xml version="1.0" encoding="utf-8"?>
+<p:sld xmlns:a="http://schemas.openxmlformats.org/drawingml/2006/main" xmlns:r="http://schemas.openxmlformats.org/officeDocument/2006/relationships" xmlns:p="http://schemas.openxmlformats.org/presentationml/2006/main">
+  <p:cSld>
+    <p:spTree>
+      <p:nvGrpSpPr>
+        <p:cNvPr id="1" name=""/>
+        <p:cNvGrpSpPr/>
+        <p:nvPr/>
+      </p:nvGrpSpPr>
+      <p:grpSpPr>
+        <a:xfrm>
+          <a:off x="0" y="0"/>
+          <a:ext cx="0" cy="0"/>
+          <a:chOff x="0" y="0"/>
+          <a:chExt cx="0" cy="0"/>
+        </a:xfrm>
+      </p:grpSpPr>
+      <p:pic>
+        <p:nvPicPr>
+          <p:cNvPr id="5" name="Image 4" descr="Une image contenant ciel, extérieur, herbe&#10;&#10;Description générée automatiquement">
+            <a:extLst>
+              <a:ext uri="{FF2B5EF4-FFF2-40B4-BE49-F238E27FC236}">
+                <a16:creationId xmlns:a16="http://schemas.microsoft.com/office/drawing/2014/main" id="{C371C63E-88EC-4822-903B-C78DBAD951E2}"/>
+              </a:ext>
+            </a:extLst>
+          </p:cNvPr>
+          <p:cNvPicPr>
+            <a:picLocks noChangeAspect="1"/>
+          </p:cNvPicPr>
+          <p:nvPr/>
+        </p:nvPicPr>
+        <p:blipFill>
+          <a:blip r:embed="rId2">
+            <a:alphaModFix amt="85000"/>
+            <a:extLst>
+              <a:ext uri="{28A0092B-C50C-407E-A947-70E740481C1C}">
+                <a14:useLocalDpi xmlns:a14="http://schemas.microsoft.com/office/drawing/2010/main" val="0"/>
+              </a:ext>
+            </a:extLst>
+          </a:blip>
+          <a:stretch>
+            <a:fillRect/>
+          </a:stretch>
+        </p:blipFill>
+        <p:spPr>
+          <a:xfrm>
+            <a:off x="0" y="0"/>
+            <a:ext cx="12192000" cy="6858000"/>
+          </a:xfrm>
+          <a:prstGeom prst="rect">
+            <a:avLst/>
+          </a:prstGeom>
+        </p:spPr>
+      </p:pic>
+      <p:sp>
+        <p:nvSpPr>
+          <p:cNvPr id="3" name="ZoneTexte 2">
+            <a:extLst>
+              <a:ext uri="{FF2B5EF4-FFF2-40B4-BE49-F238E27FC236}">
+                <a16:creationId xmlns:a16="http://schemas.microsoft.com/office/drawing/2014/main" id="{2A72F867-B10E-4BFB-94EF-FF0682471641}"/>
+              </a:ext>
+            </a:extLst>
+          </p:cNvPr>
+          <p:cNvSpPr txBox="1"/>
+          <p:nvPr/>
+        </p:nvSpPr>
+        <p:spPr>
+          <a:xfrm>
+            <a:off x="816077" y="497669"/>
+            <a:ext cx="10559845" cy="923330"/>
+          </a:xfrm>
+          <a:prstGeom prst="rect">
+            <a:avLst/>
+          </a:prstGeom>
+        </p:spPr>
+        <p:txBody>
+          <a:bodyPr vert="horz" lIns="91440" tIns="45720" rIns="91440" bIns="45720" rtlCol="0" anchor="b">
+            <a:normAutofit/>
+          </a:bodyPr>
+          <a:lstStyle/>
+          <a:p>
+            <a:pPr algn="ctr">
+              <a:lnSpc>
+                <a:spcPct val="90000"/>
+              </a:lnSpc>
+              <a:spcBef>
+                <a:spcPct val="0"/>
+              </a:spcBef>
+              <a:spcAft>
+                <a:spcPts val="600"/>
+              </a:spcAft>
+            </a:pPr>
+            <a:r>
+              <a:rPr lang="fr-FR" sz="4800" dirty="0">
+                <a:solidFill>
+                  <a:schemeClr val="accent1">
+                    <a:lumMod val="75000"/>
+                  </a:schemeClr>
+                </a:solidFill>
+                <a:latin typeface="Emmett" pitchFamily="2" charset="0"/>
+                <a:ea typeface="+mj-ea"/>
+                <a:cs typeface="+mj-cs"/>
+              </a:rPr>
+              <a:t>Génération des o</a:t>
+            </a:r>
+            <a:r>
+              <a:rPr lang="fr-FR" sz="4800" kern="1200" dirty="0">
+                <a:solidFill>
+                  <a:schemeClr val="accent1">
+                    <a:lumMod val="75000"/>
+                  </a:schemeClr>
+                </a:solidFill>
+                <a:latin typeface="Emmett" pitchFamily="2" charset="0"/>
+                <a:ea typeface="+mj-ea"/>
+                <a:cs typeface="+mj-cs"/>
+              </a:rPr>
               <a:t>bjets</a:t>
             </a:r>
           </a:p>
@@ -4455,7 +4674,7 @@
 </p:sld>
 </file>
 
-<file path=ppt/slides/slide6.xml><?xml version="1.0" encoding="utf-8"?>
+<file path=ppt/slides/slide7.xml><?xml version="1.0" encoding="utf-8"?>
 <p:sld xmlns:a="http://schemas.openxmlformats.org/drawingml/2006/main" xmlns:r="http://schemas.openxmlformats.org/officeDocument/2006/relationships" xmlns:p="http://schemas.openxmlformats.org/presentationml/2006/main">
   <p:cSld>
     <p:spTree>

--- a/presentation.pptx
+++ b/presentation.pptx
@@ -4797,7 +4797,7 @@
         <p:spPr>
           <a:xfrm>
             <a:off x="2266334" y="1818968"/>
-            <a:ext cx="7659329" cy="2677656"/>
+            <a:ext cx="7659329" cy="3416320"/>
           </a:xfrm>
           <a:prstGeom prst="rect">
             <a:avLst/>
@@ -4874,7 +4874,56 @@
                   </a:schemeClr>
                 </a:solidFill>
               </a:rPr>
+              <a:t>Différentes actions selon </a:t>
+            </a:r>
+            <a:r>
+              <a:rPr lang="fr-FR" sz="2400">
+                <a:solidFill>
+                  <a:schemeClr val="accent1">
+                    <a:lumMod val="50000"/>
+                  </a:schemeClr>
+                </a:solidFill>
+              </a:rPr>
+              <a:t>les objets</a:t>
+            </a:r>
+            <a:endParaRPr lang="fr-FR" sz="2400" dirty="0">
+              <a:solidFill>
+                <a:schemeClr val="accent1">
+                  <a:lumMod val="50000"/>
+                </a:schemeClr>
+              </a:solidFill>
+            </a:endParaRPr>
+          </a:p>
+          <a:p>
+            <a:pPr marL="806450" indent="-285750" algn="just">
+              <a:buFont typeface="Wingdings" panose="05000000000000000000" pitchFamily="2" charset="2"/>
+              <a:buChar char="§"/>
+            </a:pPr>
+            <a:r>
+              <a:rPr lang="fr-FR" sz="2400" dirty="0">
+                <a:solidFill>
+                  <a:schemeClr val="accent1">
+                    <a:lumMod val="50000"/>
+                  </a:schemeClr>
+                </a:solidFill>
+              </a:rPr>
               <a:t>Menu</a:t>
+            </a:r>
+          </a:p>
+          <a:p>
+            <a:pPr marL="806450" indent="-285750" algn="just">
+              <a:buFont typeface="Wingdings" panose="05000000000000000000" pitchFamily="2" charset="2"/>
+              <a:buChar char="§"/>
+            </a:pPr>
+            <a:r>
+              <a:rPr lang="fr-FR" sz="2400" dirty="0">
+                <a:solidFill>
+                  <a:schemeClr val="accent1">
+                    <a:lumMod val="50000"/>
+                  </a:schemeClr>
+                </a:solidFill>
+              </a:rPr>
+              <a:t>Pause/continue</a:t>
             </a:r>
           </a:p>
           <a:p>
@@ -4914,13 +4963,16 @@
               <a:buFont typeface="Wingdings" panose="05000000000000000000" pitchFamily="2" charset="2"/>
               <a:buChar char="§"/>
             </a:pPr>
-            <a:endParaRPr lang="fr-FR" sz="2400" dirty="0">
-              <a:solidFill>
-                <a:schemeClr val="accent1">
-                  <a:lumMod val="50000"/>
-                </a:schemeClr>
-              </a:solidFill>
-            </a:endParaRPr>
+            <a:r>
+              <a:rPr lang="fr-FR" sz="2400" dirty="0">
+                <a:solidFill>
+                  <a:schemeClr val="accent1">
+                    <a:lumMod val="50000"/>
+                  </a:schemeClr>
+                </a:solidFill>
+              </a:rPr>
+              <a:t>Affichage pleine écran</a:t>
+            </a:r>
           </a:p>
         </p:txBody>
       </p:sp>
